--- a/Courses/Software-Sciences/Module-4-Information-Systems/05-Connecting-Windows-Forms-with-Database/05-Connecting-Windows-Forms-with-Database.pptx
+++ b/Courses/Software-Sciences/Module-4-Information-Systems/05-Connecting-Windows-Forms-with-Database/05-Connecting-Windows-Forms-with-Database.pptx
@@ -346,7 +346,7 @@
           <a:p>
             <a:fld id="{4E087215-0C8F-4762-A664-737A353EC9A4}" type="datetimeFigureOut">
               <a:rPr lang="bg-BG" smtClean="0"/>
-              <a:t>12.01.25 г.</a:t>
+              <a:t>4.02.25 г.</a:t>
             </a:fld>
             <a:endParaRPr lang="bg-BG"/>
           </a:p>
@@ -542,7 +542,7 @@
           <a:p>
             <a:fld id="{72D84649-876A-46C9-8472-14CB09C070D8}" type="datetimeFigureOut">
               <a:rPr lang="en-US" smtClean="0"/>
-              <a:t>1/12/25</a:t>
+              <a:t>2/4/25</a:t>
             </a:fld>
             <a:endParaRPr lang="en-US"/>
           </a:p>
@@ -8257,8 +8257,8 @@
         </p:blipFill>
         <p:spPr>
           <a:xfrm>
-            <a:off x="607097" y="3070787"/>
-            <a:ext cx="1827780" cy="819755"/>
+            <a:off x="607097" y="3071664"/>
+            <a:ext cx="1827780" cy="818000"/>
           </a:xfrm>
           <a:prstGeom prst="rect">
             <a:avLst/>

--- a/Courses/Software-Sciences/Module-4-Information-Systems/05-Connecting-Windows-Forms-with-Database/05-Connecting-Windows-Forms-with-Database.pptx
+++ b/Courses/Software-Sciences/Module-4-Information-Systems/05-Connecting-Windows-Forms-with-Database/05-Connecting-Windows-Forms-with-Database.pptx
@@ -346,7 +346,7 @@
           <a:p>
             <a:fld id="{4E087215-0C8F-4762-A664-737A353EC9A4}" type="datetimeFigureOut">
               <a:rPr lang="bg-BG" smtClean="0"/>
-              <a:t>4.02.25 г.</a:t>
+              <a:t>11.08.25 г.</a:t>
             </a:fld>
             <a:endParaRPr lang="bg-BG"/>
           </a:p>
@@ -542,7 +542,7 @@
           <a:p>
             <a:fld id="{72D84649-876A-46C9-8472-14CB09C070D8}" type="datetimeFigureOut">
               <a:rPr lang="en-US" smtClean="0"/>
-              <a:t>2/4/25</a:t>
+              <a:t>8/11/25</a:t>
             </a:fld>
             <a:endParaRPr lang="en-US"/>
           </a:p>
@@ -14938,35 +14938,7 @@
           <a:p>
             <a:r>
               <a:rPr lang="bg-BG" sz="3000" dirty="0"/>
-              <a:t>Тестваме връзката с </a:t>
-            </a:r>
-            <a:r>
-              <a:rPr lang="en-US" sz="3000" b="1" dirty="0"/>
-              <a:t>[</a:t>
-            </a:r>
-            <a:r>
-              <a:rPr lang="en-US" sz="3000" b="1" dirty="0">
-                <a:solidFill>
-                  <a:schemeClr val="bg1"/>
-                </a:solidFill>
-              </a:rPr>
-              <a:t>Test Connection</a:t>
-            </a:r>
-            <a:r>
-              <a:rPr lang="en-US" sz="3000" b="1" dirty="0"/>
-              <a:t>]</a:t>
-            </a:r>
-            <a:r>
-              <a:rPr lang="en-US" sz="3000" b="1" dirty="0">
-                <a:solidFill>
-                  <a:schemeClr val="bg1"/>
-                </a:solidFill>
-              </a:rPr>
-              <a:t> </a:t>
-            </a:r>
-            <a:r>
-              <a:rPr lang="bg-BG" sz="3000" dirty="0"/>
-              <a:t>и натискаме </a:t>
+              <a:t>Кликаме върху </a:t>
             </a:r>
             <a:r>
               <a:rPr lang="en-US" sz="3000" b="1" dirty="0"/>
@@ -15040,14 +15012,13 @@
               </a:ext>
             </a:extLst>
           </a:blip>
-          <a:stretch>
-            <a:fillRect/>
-          </a:stretch>
+          <a:srcRect/>
+          <a:stretch/>
         </p:blipFill>
         <p:spPr>
           <a:xfrm>
-            <a:off x="7574515" y="1215053"/>
-            <a:ext cx="3915000" cy="5291947"/>
+            <a:off x="7608004" y="1215053"/>
+            <a:ext cx="3848022" cy="5291947"/>
           </a:xfrm>
           <a:prstGeom prst="rect">
             <a:avLst/>
@@ -26523,7 +26494,7 @@
                   </a:outerShdw>
                 </a:effectLst>
               </a:rPr>
-              <a:t>DataTextField </a:t>
+              <a:t>DisplayMember </a:t>
             </a:r>
             <a:r>
               <a:rPr lang="bg-BG" sz="2600" b="1" dirty="0">
@@ -26574,7 +26545,7 @@
                   </a:outerShdw>
                 </a:effectLst>
               </a:rPr>
-              <a:t>DataValueField</a:t>
+              <a:t>ValueMember</a:t>
             </a:r>
             <a:r>
               <a:rPr lang="bg-BG" sz="2600" b="1" dirty="0">
